--- a/slide_báo_cáo.pptx
+++ b/slide_báo_cáo.pptx
@@ -29,8 +29,6 @@
     <p:sldId id="274" r:id="rId25"/>
     <p:sldId id="275" r:id="rId26"/>
     <p:sldId id="276" r:id="rId27"/>
-    <p:sldId id="277" r:id="rId28"/>
-    <p:sldId id="278" r:id="rId29"/>
   </p:sldIdLst>
   <p:sldSz cy="5143500" cx="9144000"/>
   <p:notesSz cx="6858000" cy="9144000"/>
@@ -2094,204 +2092,6 @@
 </p:notes>
 </file>
 
-<file path=ppt/notesSlides/notesSlide22.xml><?xml version="1.0" encoding="utf-8"?>
-<p:notes xmlns:a="http://schemas.openxmlformats.org/drawingml/2006/main" xmlns:r="http://schemas.openxmlformats.org/officeDocument/2006/relationships" xmlns:mc="http://schemas.openxmlformats.org/markup-compatibility/2006" xmlns:mv="urn:schemas-microsoft-com:mac:vml" xmlns:p="http://schemas.openxmlformats.org/presentationml/2006/main" xmlns:c="http://schemas.openxmlformats.org/drawingml/2006/chart" xmlns:dgm="http://schemas.openxmlformats.org/drawingml/2006/diagram" xmlns:o="urn:schemas-microsoft-com:office:office" xmlns:v="urn:schemas-microsoft-com:vml" xmlns:pvml="urn:schemas-microsoft-com:office:powerpoint" xmlns:com="http://schemas.openxmlformats.org/drawingml/2006/compatibility" xmlns:p14="http://schemas.microsoft.com/office/powerpoint/2010/main" xmlns:p15="http://schemas.microsoft.com/office/powerpoint/2012/main" xmlns:ahyp="http://schemas.microsoft.com/office/drawing/2018/hyperlinkcolor" showMasterPhAnim="0" showMasterSp="0">
-  <p:cSld>
-    <p:spTree>
-      <p:nvGrpSpPr>
-        <p:cNvPr id="163" name="Shape 163"/>
-        <p:cNvGrpSpPr/>
-        <p:nvPr/>
-      </p:nvGrpSpPr>
-      <p:grpSpPr>
-        <a:xfrm>
-          <a:off x="0" y="0"/>
-          <a:ext cx="0" cy="0"/>
-          <a:chOff x="0" y="0"/>
-          <a:chExt cx="0" cy="0"/>
-        </a:xfrm>
-      </p:grpSpPr>
-      <p:sp>
-        <p:nvSpPr>
-          <p:cNvPr id="164" name="Google Shape;164;g1255dadce64_0_124:notes"/>
-          <p:cNvSpPr/>
-          <p:nvPr>
-            <p:ph idx="2" type="sldImg"/>
-          </p:nvPr>
-        </p:nvSpPr>
-        <p:spPr>
-          <a:xfrm>
-            <a:off x="381300" y="685800"/>
-            <a:ext cx="6096000" cy="3429000"/>
-          </a:xfrm>
-          <a:custGeom>
-            <a:rect b="b" l="l" r="r" t="t"/>
-            <a:pathLst>
-              <a:path extrusionOk="0" h="120000" w="120000">
-                <a:moveTo>
-                  <a:pt x="0" y="0"/>
-                </a:moveTo>
-                <a:lnTo>
-                  <a:pt x="120000" y="0"/>
-                </a:lnTo>
-                <a:lnTo>
-                  <a:pt x="120000" y="120000"/>
-                </a:lnTo>
-                <a:lnTo>
-                  <a:pt x="0" y="120000"/>
-                </a:lnTo>
-                <a:close/>
-              </a:path>
-            </a:pathLst>
-          </a:custGeom>
-        </p:spPr>
-      </p:sp>
-      <p:sp>
-        <p:nvSpPr>
-          <p:cNvPr id="165" name="Google Shape;165;g1255dadce64_0_124:notes"/>
-          <p:cNvSpPr txBox="1"/>
-          <p:nvPr>
-            <p:ph idx="1" type="body"/>
-          </p:nvPr>
-        </p:nvSpPr>
-        <p:spPr>
-          <a:xfrm>
-            <a:off x="685800" y="4343400"/>
-            <a:ext cx="5486400" cy="4114800"/>
-          </a:xfrm>
-          <a:prstGeom prst="rect">
-            <a:avLst/>
-          </a:prstGeom>
-        </p:spPr>
-        <p:txBody>
-          <a:bodyPr anchorCtr="0" anchor="t" bIns="91425" lIns="91425" spcFirstLastPara="1" rIns="91425" wrap="square" tIns="91425">
-            <a:noAutofit/>
-          </a:bodyPr>
-          <a:lstStyle/>
-          <a:p>
-            <a:pPr indent="0" lvl="0" marL="0" rtl="0" algn="l">
-              <a:spcBef>
-                <a:spcPts val="0"/>
-              </a:spcBef>
-              <a:spcAft>
-                <a:spcPts val="0"/>
-              </a:spcAft>
-              <a:buNone/>
-            </a:pPr>
-            <a:r>
-              <a:t/>
-            </a:r>
-            <a:endParaRPr/>
-          </a:p>
-        </p:txBody>
-      </p:sp>
-    </p:spTree>
-  </p:cSld>
-  <p:clrMapOvr>
-    <a:masterClrMapping/>
-  </p:clrMapOvr>
-</p:notes>
-</file>
-
-<file path=ppt/notesSlides/notesSlide23.xml><?xml version="1.0" encoding="utf-8"?>
-<p:notes xmlns:a="http://schemas.openxmlformats.org/drawingml/2006/main" xmlns:r="http://schemas.openxmlformats.org/officeDocument/2006/relationships" xmlns:mc="http://schemas.openxmlformats.org/markup-compatibility/2006" xmlns:mv="urn:schemas-microsoft-com:mac:vml" xmlns:p="http://schemas.openxmlformats.org/presentationml/2006/main" xmlns:c="http://schemas.openxmlformats.org/drawingml/2006/chart" xmlns:dgm="http://schemas.openxmlformats.org/drawingml/2006/diagram" xmlns:o="urn:schemas-microsoft-com:office:office" xmlns:v="urn:schemas-microsoft-com:vml" xmlns:pvml="urn:schemas-microsoft-com:office:powerpoint" xmlns:com="http://schemas.openxmlformats.org/drawingml/2006/compatibility" xmlns:p14="http://schemas.microsoft.com/office/powerpoint/2010/main" xmlns:p15="http://schemas.microsoft.com/office/powerpoint/2012/main" xmlns:ahyp="http://schemas.microsoft.com/office/drawing/2018/hyperlinkcolor" showMasterPhAnim="0" showMasterSp="0">
-  <p:cSld>
-    <p:spTree>
-      <p:nvGrpSpPr>
-        <p:cNvPr id="168" name="Shape 168"/>
-        <p:cNvGrpSpPr/>
-        <p:nvPr/>
-      </p:nvGrpSpPr>
-      <p:grpSpPr>
-        <a:xfrm>
-          <a:off x="0" y="0"/>
-          <a:ext cx="0" cy="0"/>
-          <a:chOff x="0" y="0"/>
-          <a:chExt cx="0" cy="0"/>
-        </a:xfrm>
-      </p:grpSpPr>
-      <p:sp>
-        <p:nvSpPr>
-          <p:cNvPr id="169" name="Google Shape;169;g1255dadce64_0_131:notes"/>
-          <p:cNvSpPr/>
-          <p:nvPr>
-            <p:ph idx="2" type="sldImg"/>
-          </p:nvPr>
-        </p:nvSpPr>
-        <p:spPr>
-          <a:xfrm>
-            <a:off x="381300" y="685800"/>
-            <a:ext cx="6096000" cy="3429000"/>
-          </a:xfrm>
-          <a:custGeom>
-            <a:rect b="b" l="l" r="r" t="t"/>
-            <a:pathLst>
-              <a:path extrusionOk="0" h="120000" w="120000">
-                <a:moveTo>
-                  <a:pt x="0" y="0"/>
-                </a:moveTo>
-                <a:lnTo>
-                  <a:pt x="120000" y="0"/>
-                </a:lnTo>
-                <a:lnTo>
-                  <a:pt x="120000" y="120000"/>
-                </a:lnTo>
-                <a:lnTo>
-                  <a:pt x="0" y="120000"/>
-                </a:lnTo>
-                <a:close/>
-              </a:path>
-            </a:pathLst>
-          </a:custGeom>
-        </p:spPr>
-      </p:sp>
-      <p:sp>
-        <p:nvSpPr>
-          <p:cNvPr id="170" name="Google Shape;170;g1255dadce64_0_131:notes"/>
-          <p:cNvSpPr txBox="1"/>
-          <p:nvPr>
-            <p:ph idx="1" type="body"/>
-          </p:nvPr>
-        </p:nvSpPr>
-        <p:spPr>
-          <a:xfrm>
-            <a:off x="685800" y="4343400"/>
-            <a:ext cx="5486400" cy="4114800"/>
-          </a:xfrm>
-          <a:prstGeom prst="rect">
-            <a:avLst/>
-          </a:prstGeom>
-        </p:spPr>
-        <p:txBody>
-          <a:bodyPr anchorCtr="0" anchor="t" bIns="91425" lIns="91425" spcFirstLastPara="1" rIns="91425" wrap="square" tIns="91425">
-            <a:noAutofit/>
-          </a:bodyPr>
-          <a:lstStyle/>
-          <a:p>
-            <a:pPr indent="0" lvl="0" marL="0" rtl="0" algn="l">
-              <a:spcBef>
-                <a:spcPts val="0"/>
-              </a:spcBef>
-              <a:spcAft>
-                <a:spcPts val="0"/>
-              </a:spcAft>
-              <a:buNone/>
-            </a:pPr>
-            <a:r>
-              <a:t/>
-            </a:r>
-            <a:endParaRPr/>
-          </a:p>
-        </p:txBody>
-      </p:sp>
-    </p:spTree>
-  </p:cSld>
-  <p:clrMapOvr>
-    <a:masterClrMapping/>
-  </p:clrMapOvr>
-</p:notes>
-</file>
-
 <file path=ppt/notesSlides/notesSlide3.xml><?xml version="1.0" encoding="utf-8"?>
 <p:notes xmlns:a="http://schemas.openxmlformats.org/drawingml/2006/main" xmlns:r="http://schemas.openxmlformats.org/officeDocument/2006/relationships" xmlns:mc="http://schemas.openxmlformats.org/markup-compatibility/2006" xmlns:mv="urn:schemas-microsoft-com:mac:vml" xmlns:p="http://schemas.openxmlformats.org/presentationml/2006/main" xmlns:c="http://schemas.openxmlformats.org/drawingml/2006/chart" xmlns:dgm="http://schemas.openxmlformats.org/drawingml/2006/diagram" xmlns:o="urn:schemas-microsoft-com:office:office" xmlns:v="urn:schemas-microsoft-com:vml" xmlns:pvml="urn:schemas-microsoft-com:office:powerpoint" xmlns:com="http://schemas.openxmlformats.org/drawingml/2006/compatibility" xmlns:p14="http://schemas.microsoft.com/office/powerpoint/2010/main" xmlns:p15="http://schemas.microsoft.com/office/powerpoint/2012/main" xmlns:ahyp="http://schemas.microsoft.com/office/drawing/2018/hyperlinkcolor" showMasterPhAnim="0" showMasterSp="0">
   <p:cSld>
@@ -5709,14 +5509,14 @@
         </p:nvSpPr>
         <p:spPr>
           <a:xfrm>
-            <a:off x="4572000" y="25"/>
+            <a:off x="4572000" y="-125"/>
             <a:ext cx="4572000" cy="5143500"/>
           </a:xfrm>
           <a:prstGeom prst="rect">
             <a:avLst/>
           </a:prstGeom>
           <a:solidFill>
-            <a:schemeClr val="dk2"/>
+            <a:schemeClr val="lt2"/>
           </a:solidFill>
           <a:ln>
             <a:noFill/>
@@ -6031,7 +5831,7 @@
         </p:nvSpPr>
         <p:spPr>
           <a:xfrm>
-            <a:off x="4939500" y="724200"/>
+            <a:off x="4939500" y="724075"/>
             <a:ext cx="3837000" cy="3695100"/>
           </a:xfrm>
           <a:prstGeom prst="rect">
@@ -6050,16 +5850,9 @@
               <a:spcAft>
                 <a:spcPts val="0"/>
               </a:spcAft>
-              <a:buClr>
-                <a:schemeClr val="dk1"/>
-              </a:buClr>
               <a:buSzPts val="1800"/>
               <a:buChar char="●"/>
-              <a:defRPr>
-                <a:solidFill>
-                  <a:schemeClr val="dk1"/>
-                </a:solidFill>
-              </a:defRPr>
+              <a:defRPr/>
             </a:lvl1pPr>
             <a:lvl2pPr indent="-317500" lvl="1" marL="914400">
               <a:spcBef>
@@ -6068,16 +5861,9 @@
               <a:spcAft>
                 <a:spcPts val="0"/>
               </a:spcAft>
-              <a:buClr>
-                <a:schemeClr val="dk1"/>
-              </a:buClr>
               <a:buSzPts val="1400"/>
               <a:buChar char="○"/>
-              <a:defRPr>
-                <a:solidFill>
-                  <a:schemeClr val="dk1"/>
-                </a:solidFill>
-              </a:defRPr>
+              <a:defRPr/>
             </a:lvl2pPr>
             <a:lvl3pPr indent="-317500" lvl="2" marL="1371600">
               <a:spcBef>
@@ -6086,16 +5872,9 @@
               <a:spcAft>
                 <a:spcPts val="0"/>
               </a:spcAft>
-              <a:buClr>
-                <a:schemeClr val="dk1"/>
-              </a:buClr>
               <a:buSzPts val="1400"/>
               <a:buChar char="■"/>
-              <a:defRPr>
-                <a:solidFill>
-                  <a:schemeClr val="dk1"/>
-                </a:solidFill>
-              </a:defRPr>
+              <a:defRPr/>
             </a:lvl3pPr>
             <a:lvl4pPr indent="-317500" lvl="3" marL="1828800">
               <a:spcBef>
@@ -6104,16 +5883,9 @@
               <a:spcAft>
                 <a:spcPts val="0"/>
               </a:spcAft>
-              <a:buClr>
-                <a:schemeClr val="dk1"/>
-              </a:buClr>
               <a:buSzPts val="1400"/>
               <a:buChar char="●"/>
-              <a:defRPr>
-                <a:solidFill>
-                  <a:schemeClr val="dk1"/>
-                </a:solidFill>
-              </a:defRPr>
+              <a:defRPr/>
             </a:lvl4pPr>
             <a:lvl5pPr indent="-317500" lvl="4" marL="2286000">
               <a:spcBef>
@@ -6122,16 +5894,9 @@
               <a:spcAft>
                 <a:spcPts val="0"/>
               </a:spcAft>
-              <a:buClr>
-                <a:schemeClr val="dk1"/>
-              </a:buClr>
               <a:buSzPts val="1400"/>
               <a:buChar char="○"/>
-              <a:defRPr>
-                <a:solidFill>
-                  <a:schemeClr val="dk1"/>
-                </a:solidFill>
-              </a:defRPr>
+              <a:defRPr/>
             </a:lvl5pPr>
             <a:lvl6pPr indent="-317500" lvl="5" marL="2743200">
               <a:spcBef>
@@ -6140,16 +5905,9 @@
               <a:spcAft>
                 <a:spcPts val="0"/>
               </a:spcAft>
-              <a:buClr>
-                <a:schemeClr val="dk1"/>
-              </a:buClr>
               <a:buSzPts val="1400"/>
               <a:buChar char="■"/>
-              <a:defRPr>
-                <a:solidFill>
-                  <a:schemeClr val="dk1"/>
-                </a:solidFill>
-              </a:defRPr>
+              <a:defRPr/>
             </a:lvl6pPr>
             <a:lvl7pPr indent="-317500" lvl="6" marL="3200400">
               <a:spcBef>
@@ -6158,16 +5916,9 @@
               <a:spcAft>
                 <a:spcPts val="0"/>
               </a:spcAft>
-              <a:buClr>
-                <a:schemeClr val="dk1"/>
-              </a:buClr>
               <a:buSzPts val="1400"/>
               <a:buChar char="●"/>
-              <a:defRPr>
-                <a:solidFill>
-                  <a:schemeClr val="dk1"/>
-                </a:solidFill>
-              </a:defRPr>
+              <a:defRPr/>
             </a:lvl7pPr>
             <a:lvl8pPr indent="-317500" lvl="7" marL="3657600">
               <a:spcBef>
@@ -6176,16 +5927,9 @@
               <a:spcAft>
                 <a:spcPts val="0"/>
               </a:spcAft>
-              <a:buClr>
-                <a:schemeClr val="dk1"/>
-              </a:buClr>
               <a:buSzPts val="1400"/>
               <a:buChar char="○"/>
-              <a:defRPr>
-                <a:solidFill>
-                  <a:schemeClr val="dk1"/>
-                </a:solidFill>
-              </a:defRPr>
+              <a:defRPr/>
             </a:lvl8pPr>
             <a:lvl9pPr indent="-317500" lvl="8" marL="4114800">
               <a:spcBef>
@@ -6194,16 +5938,9 @@
               <a:spcAft>
                 <a:spcPts val="0"/>
               </a:spcAft>
-              <a:buClr>
-                <a:schemeClr val="dk1"/>
-              </a:buClr>
               <a:buSzPts val="1400"/>
               <a:buChar char="■"/>
-              <a:defRPr>
-                <a:solidFill>
-                  <a:schemeClr val="dk1"/>
-                </a:solidFill>
-              </a:defRPr>
+              <a:defRPr/>
             </a:lvl9pPr>
           </a:lstStyle>
           <a:p/>
@@ -6438,7 +6175,7 @@
 
 <file path=ppt/slideMasters/slideMaster1.xml><?xml version="1.0" encoding="utf-8"?>
 <p:sldMaster xmlns:a="http://schemas.openxmlformats.org/drawingml/2006/main" xmlns:r="http://schemas.openxmlformats.org/officeDocument/2006/relationships" xmlns:mc="http://schemas.openxmlformats.org/markup-compatibility/2006" xmlns:mv="urn:schemas-microsoft-com:mac:vml" xmlns:p="http://schemas.openxmlformats.org/presentationml/2006/main" xmlns:c="http://schemas.openxmlformats.org/drawingml/2006/chart" xmlns:dgm="http://schemas.openxmlformats.org/drawingml/2006/diagram" xmlns:o="urn:schemas-microsoft-com:office:office" xmlns:v="urn:schemas-microsoft-com:vml" xmlns:pvml="urn:schemas-microsoft-com:office:powerpoint" xmlns:com="http://schemas.openxmlformats.org/drawingml/2006/compatibility" xmlns:p14="http://schemas.microsoft.com/office/powerpoint/2010/main" xmlns:p15="http://schemas.microsoft.com/office/powerpoint/2012/main" xmlns:ahyp="http://schemas.microsoft.com/office/drawing/2018/hyperlinkcolor">
-  <p:cSld name="simple-dark-2">
+  <p:cSld name="simple-light-2">
     <p:bg>
       <p:bgPr>
         <a:solidFill>
@@ -6689,13 +6426,13 @@
                 <a:spcPts val="0"/>
               </a:spcAft>
               <a:buClr>
-                <a:schemeClr val="lt2"/>
+                <a:schemeClr val="dk2"/>
               </a:buClr>
               <a:buSzPts val="1800"/>
               <a:buChar char="●"/>
               <a:defRPr sz="1800">
                 <a:solidFill>
-                  <a:schemeClr val="lt2"/>
+                  <a:schemeClr val="dk2"/>
                 </a:solidFill>
               </a:defRPr>
             </a:lvl1pPr>
@@ -6710,13 +6447,13 @@
                 <a:spcPts val="0"/>
               </a:spcAft>
               <a:buClr>
-                <a:schemeClr val="lt2"/>
+                <a:schemeClr val="dk2"/>
               </a:buClr>
               <a:buSzPts val="1400"/>
               <a:buChar char="○"/>
               <a:defRPr>
                 <a:solidFill>
-                  <a:schemeClr val="lt2"/>
+                  <a:schemeClr val="dk2"/>
                 </a:solidFill>
               </a:defRPr>
             </a:lvl2pPr>
@@ -6731,13 +6468,13 @@
                 <a:spcPts val="0"/>
               </a:spcAft>
               <a:buClr>
-                <a:schemeClr val="lt2"/>
+                <a:schemeClr val="dk2"/>
               </a:buClr>
               <a:buSzPts val="1400"/>
               <a:buChar char="■"/>
               <a:defRPr>
                 <a:solidFill>
-                  <a:schemeClr val="lt2"/>
+                  <a:schemeClr val="dk2"/>
                 </a:solidFill>
               </a:defRPr>
             </a:lvl3pPr>
@@ -6752,13 +6489,13 @@
                 <a:spcPts val="0"/>
               </a:spcAft>
               <a:buClr>
-                <a:schemeClr val="lt2"/>
+                <a:schemeClr val="dk2"/>
               </a:buClr>
               <a:buSzPts val="1400"/>
               <a:buChar char="●"/>
               <a:defRPr>
                 <a:solidFill>
-                  <a:schemeClr val="lt2"/>
+                  <a:schemeClr val="dk2"/>
                 </a:solidFill>
               </a:defRPr>
             </a:lvl4pPr>
@@ -6773,13 +6510,13 @@
                 <a:spcPts val="0"/>
               </a:spcAft>
               <a:buClr>
-                <a:schemeClr val="lt2"/>
+                <a:schemeClr val="dk2"/>
               </a:buClr>
               <a:buSzPts val="1400"/>
               <a:buChar char="○"/>
               <a:defRPr>
                 <a:solidFill>
-                  <a:schemeClr val="lt2"/>
+                  <a:schemeClr val="dk2"/>
                 </a:solidFill>
               </a:defRPr>
             </a:lvl5pPr>
@@ -6794,13 +6531,13 @@
                 <a:spcPts val="0"/>
               </a:spcAft>
               <a:buClr>
-                <a:schemeClr val="lt2"/>
+                <a:schemeClr val="dk2"/>
               </a:buClr>
               <a:buSzPts val="1400"/>
               <a:buChar char="■"/>
               <a:defRPr>
                 <a:solidFill>
-                  <a:schemeClr val="lt2"/>
+                  <a:schemeClr val="dk2"/>
                 </a:solidFill>
               </a:defRPr>
             </a:lvl6pPr>
@@ -6815,13 +6552,13 @@
                 <a:spcPts val="0"/>
               </a:spcAft>
               <a:buClr>
-                <a:schemeClr val="lt2"/>
+                <a:schemeClr val="dk2"/>
               </a:buClr>
               <a:buSzPts val="1400"/>
               <a:buChar char="●"/>
               <a:defRPr>
                 <a:solidFill>
-                  <a:schemeClr val="lt2"/>
+                  <a:schemeClr val="dk2"/>
                 </a:solidFill>
               </a:defRPr>
             </a:lvl7pPr>
@@ -6836,13 +6573,13 @@
                 <a:spcPts val="0"/>
               </a:spcAft>
               <a:buClr>
-                <a:schemeClr val="lt2"/>
+                <a:schemeClr val="dk2"/>
               </a:buClr>
               <a:buSzPts val="1400"/>
               <a:buChar char="○"/>
               <a:defRPr>
                 <a:solidFill>
-                  <a:schemeClr val="lt2"/>
+                  <a:schemeClr val="dk2"/>
                 </a:solidFill>
               </a:defRPr>
             </a:lvl8pPr>
@@ -6857,13 +6594,13 @@
                 <a:spcPts val="0"/>
               </a:spcAft>
               <a:buClr>
-                <a:schemeClr val="lt2"/>
+                <a:schemeClr val="dk2"/>
               </a:buClr>
               <a:buSzPts val="1400"/>
               <a:buChar char="■"/>
               <a:defRPr>
                 <a:solidFill>
-                  <a:schemeClr val="lt2"/>
+                  <a:schemeClr val="dk2"/>
                 </a:solidFill>
               </a:defRPr>
             </a:lvl9pPr>
@@ -6901,7 +6638,7 @@
               <a:buNone/>
               <a:defRPr sz="1000">
                 <a:solidFill>
-                  <a:schemeClr val="lt2"/>
+                  <a:schemeClr val="dk2"/>
                 </a:solidFill>
               </a:defRPr>
             </a:lvl1pPr>
@@ -6909,7 +6646,7 @@
               <a:buNone/>
               <a:defRPr sz="1000">
                 <a:solidFill>
-                  <a:schemeClr val="lt2"/>
+                  <a:schemeClr val="dk2"/>
                 </a:solidFill>
               </a:defRPr>
             </a:lvl2pPr>
@@ -6917,7 +6654,7 @@
               <a:buNone/>
               <a:defRPr sz="1000">
                 <a:solidFill>
-                  <a:schemeClr val="lt2"/>
+                  <a:schemeClr val="dk2"/>
                 </a:solidFill>
               </a:defRPr>
             </a:lvl3pPr>
@@ -6925,7 +6662,7 @@
               <a:buNone/>
               <a:defRPr sz="1000">
                 <a:solidFill>
-                  <a:schemeClr val="lt2"/>
+                  <a:schemeClr val="dk2"/>
                 </a:solidFill>
               </a:defRPr>
             </a:lvl4pPr>
@@ -6933,7 +6670,7 @@
               <a:buNone/>
               <a:defRPr sz="1000">
                 <a:solidFill>
-                  <a:schemeClr val="lt2"/>
+                  <a:schemeClr val="dk2"/>
                 </a:solidFill>
               </a:defRPr>
             </a:lvl5pPr>
@@ -6941,7 +6678,7 @@
               <a:buNone/>
               <a:defRPr sz="1000">
                 <a:solidFill>
-                  <a:schemeClr val="lt2"/>
+                  <a:schemeClr val="dk2"/>
                 </a:solidFill>
               </a:defRPr>
             </a:lvl6pPr>
@@ -6949,7 +6686,7 @@
               <a:buNone/>
               <a:defRPr sz="1000">
                 <a:solidFill>
-                  <a:schemeClr val="lt2"/>
+                  <a:schemeClr val="dk2"/>
                 </a:solidFill>
               </a:defRPr>
             </a:lvl7pPr>
@@ -6957,7 +6694,7 @@
               <a:buNone/>
               <a:defRPr sz="1000">
                 <a:solidFill>
-                  <a:schemeClr val="lt2"/>
+                  <a:schemeClr val="dk2"/>
                 </a:solidFill>
               </a:defRPr>
             </a:lvl8pPr>
@@ -6965,7 +6702,7 @@
               <a:buNone/>
               <a:defRPr sz="1000">
                 <a:solidFill>
-                  <a:schemeClr val="lt2"/>
+                  <a:schemeClr val="dk2"/>
                 </a:solidFill>
               </a:defRPr>
             </a:lvl9pPr>
@@ -7749,7 +7486,7 @@
             <a:r>
               <a:rPr lang="vi" sz="5900">
                 <a:solidFill>
-                  <a:srgbClr val="00FFFF"/>
+                  <a:srgbClr val="5B0F00"/>
                 </a:solidFill>
                 <a:latin typeface="Times New Roman"/>
                 <a:ea typeface="Times New Roman"/>
@@ -7760,7 +7497,7 @@
             </a:r>
             <a:endParaRPr sz="5900">
               <a:solidFill>
-                <a:srgbClr val="00FFFF"/>
+                <a:srgbClr val="5B0F00"/>
               </a:solidFill>
               <a:latin typeface="Times New Roman"/>
               <a:ea typeface="Times New Roman"/>
@@ -7804,7 +7541,7 @@
                 <a:spcPts val="0"/>
               </a:spcAft>
               <a:buClr>
-                <a:srgbClr val="00FF00"/>
+                <a:srgbClr val="0000FF"/>
               </a:buClr>
               <a:buSzPts val="2100"/>
               <a:buFont typeface="Times New Roman"/>
@@ -7813,7 +7550,7 @@
             <a:r>
               <a:rPr lang="vi" sz="2100">
                 <a:solidFill>
-                  <a:srgbClr val="00FF00"/>
+                  <a:srgbClr val="0000FF"/>
                 </a:solidFill>
                 <a:latin typeface="Times New Roman"/>
                 <a:ea typeface="Times New Roman"/>
@@ -7824,7 +7561,7 @@
             </a:r>
             <a:endParaRPr sz="2100">
               <a:solidFill>
-                <a:srgbClr val="00FF00"/>
+                <a:srgbClr val="0000FF"/>
               </a:solidFill>
               <a:latin typeface="Times New Roman"/>
               <a:ea typeface="Times New Roman"/>
@@ -7844,7 +7581,7 @@
                 <a:spcPts val="0"/>
               </a:spcAft>
               <a:buClr>
-                <a:srgbClr val="00FF00"/>
+                <a:srgbClr val="0000FF"/>
               </a:buClr>
               <a:buSzPts val="2100"/>
               <a:buFont typeface="Times New Roman"/>
@@ -7853,7 +7590,7 @@
             <a:r>
               <a:rPr lang="vi" sz="2100">
                 <a:solidFill>
-                  <a:srgbClr val="00FF00"/>
+                  <a:srgbClr val="0000FF"/>
                 </a:solidFill>
                 <a:latin typeface="Times New Roman"/>
                 <a:ea typeface="Times New Roman"/>
@@ -7864,7 +7601,7 @@
             </a:r>
             <a:endParaRPr sz="2100">
               <a:solidFill>
-                <a:srgbClr val="00FF00"/>
+                <a:srgbClr val="0000FF"/>
               </a:solidFill>
               <a:latin typeface="Times New Roman"/>
               <a:ea typeface="Times New Roman"/>
@@ -7884,7 +7621,7 @@
                 <a:spcPts val="0"/>
               </a:spcAft>
               <a:buClr>
-                <a:srgbClr val="00FF00"/>
+                <a:srgbClr val="0000FF"/>
               </a:buClr>
               <a:buSzPts val="2100"/>
               <a:buFont typeface="Times New Roman"/>
@@ -7893,7 +7630,7 @@
             <a:r>
               <a:rPr lang="vi" sz="2100">
                 <a:solidFill>
-                  <a:srgbClr val="00FF00"/>
+                  <a:srgbClr val="0000FF"/>
                 </a:solidFill>
                 <a:latin typeface="Times New Roman"/>
                 <a:ea typeface="Times New Roman"/>
@@ -7904,7 +7641,7 @@
             </a:r>
             <a:endParaRPr sz="2100">
               <a:solidFill>
-                <a:srgbClr val="00FF00"/>
+                <a:srgbClr val="0000FF"/>
               </a:solidFill>
               <a:latin typeface="Times New Roman"/>
               <a:ea typeface="Times New Roman"/>
@@ -7924,7 +7661,7 @@
                 <a:spcPts val="0"/>
               </a:spcAft>
               <a:buClr>
-                <a:srgbClr val="00FF00"/>
+                <a:srgbClr val="0000FF"/>
               </a:buClr>
               <a:buSzPts val="2100"/>
               <a:buFont typeface="Times New Roman"/>
@@ -7933,7 +7670,7 @@
             <a:r>
               <a:rPr lang="vi" sz="2100">
                 <a:solidFill>
-                  <a:srgbClr val="00FF00"/>
+                  <a:srgbClr val="0000FF"/>
                 </a:solidFill>
                 <a:latin typeface="Times New Roman"/>
                 <a:ea typeface="Times New Roman"/>
@@ -7944,7 +7681,7 @@
             </a:r>
             <a:endParaRPr sz="2100">
               <a:solidFill>
-                <a:srgbClr val="00FF00"/>
+                <a:srgbClr val="0000FF"/>
               </a:solidFill>
               <a:latin typeface="Times New Roman"/>
               <a:ea typeface="Times New Roman"/>
@@ -7964,7 +7701,7 @@
                 <a:spcPts val="0"/>
               </a:spcAft>
               <a:buClr>
-                <a:srgbClr val="00FF00"/>
+                <a:srgbClr val="0000FF"/>
               </a:buClr>
               <a:buSzPts val="2100"/>
               <a:buFont typeface="Times New Roman"/>
@@ -7973,7 +7710,7 @@
             <a:r>
               <a:rPr lang="vi" sz="2100">
                 <a:solidFill>
-                  <a:srgbClr val="00FF00"/>
+                  <a:srgbClr val="0000FF"/>
                 </a:solidFill>
                 <a:latin typeface="Times New Roman"/>
                 <a:ea typeface="Times New Roman"/>
@@ -7984,7 +7721,7 @@
             </a:r>
             <a:endParaRPr sz="2100">
               <a:solidFill>
-                <a:srgbClr val="00FF00"/>
+                <a:srgbClr val="0000FF"/>
               </a:solidFill>
               <a:latin typeface="Times New Roman"/>
               <a:ea typeface="Times New Roman"/>
@@ -8053,16 +7790,16 @@
                 <a:spcPts val="0"/>
               </a:spcAft>
               <a:buClr>
-                <a:srgbClr val="FFFF00"/>
+                <a:srgbClr val="434343"/>
               </a:buClr>
               <a:buSzPts val="2500"/>
               <a:buFont typeface="Times New Roman"/>
               <a:buAutoNum type="arabicPeriod" startAt="4"/>
             </a:pPr>
             <a:r>
-              <a:rPr lang="vi" sz="2500">
+              <a:rPr b="1" lang="vi" sz="2500">
                 <a:solidFill>
-                  <a:srgbClr val="FFFF00"/>
+                  <a:srgbClr val="434343"/>
                 </a:solidFill>
                 <a:latin typeface="Times New Roman"/>
                 <a:ea typeface="Times New Roman"/>
@@ -8071,9 +7808,9 @@
               </a:rPr>
               <a:t>State</a:t>
             </a:r>
-            <a:endParaRPr sz="2500">
+            <a:endParaRPr b="1" sz="2500">
               <a:solidFill>
-                <a:srgbClr val="FFFF00"/>
+                <a:srgbClr val="434343"/>
               </a:solidFill>
               <a:latin typeface="Times New Roman"/>
               <a:ea typeface="Times New Roman"/>
@@ -8212,16 +7949,16 @@
                 <a:spcPts val="0"/>
               </a:spcAft>
               <a:buClr>
-                <a:srgbClr val="FFFF00"/>
+                <a:srgbClr val="434343"/>
               </a:buClr>
               <a:buSzPts val="2500"/>
               <a:buFont typeface="Times New Roman"/>
               <a:buAutoNum type="arabicPeriod" startAt="5"/>
             </a:pPr>
             <a:r>
-              <a:rPr lang="vi" sz="2500">
+              <a:rPr b="1" lang="vi" sz="2500">
                 <a:solidFill>
-                  <a:srgbClr val="FFFF00"/>
+                  <a:srgbClr val="434343"/>
                 </a:solidFill>
                 <a:latin typeface="Times New Roman"/>
                 <a:ea typeface="Times New Roman"/>
@@ -8230,9 +7967,9 @@
               </a:rPr>
               <a:t>React Refs</a:t>
             </a:r>
-            <a:endParaRPr sz="2500">
+            <a:endParaRPr b="1" sz="2500">
               <a:solidFill>
-                <a:srgbClr val="FFFF00"/>
+                <a:srgbClr val="434343"/>
               </a:solidFill>
               <a:latin typeface="Times New Roman"/>
               <a:ea typeface="Times New Roman"/>
@@ -8406,16 +8143,16 @@
                 <a:spcPts val="0"/>
               </a:spcAft>
               <a:buClr>
-                <a:srgbClr val="FFFF00"/>
+                <a:srgbClr val="434343"/>
               </a:buClr>
               <a:buSzPts val="2500"/>
               <a:buFont typeface="Times New Roman"/>
               <a:buAutoNum type="arabicPeriod" startAt="6"/>
             </a:pPr>
             <a:r>
-              <a:rPr lang="vi" sz="2500">
+              <a:rPr b="1" lang="vi" sz="2500">
                 <a:solidFill>
-                  <a:srgbClr val="FFFF00"/>
+                  <a:srgbClr val="434343"/>
                 </a:solidFill>
                 <a:latin typeface="Times New Roman"/>
                 <a:ea typeface="Times New Roman"/>
@@ -8424,9 +8161,9 @@
               </a:rPr>
               <a:t>Context</a:t>
             </a:r>
-            <a:endParaRPr sz="2500">
+            <a:endParaRPr b="1" sz="2500">
               <a:solidFill>
-                <a:srgbClr val="FFFF00"/>
+                <a:srgbClr val="434343"/>
               </a:solidFill>
               <a:latin typeface="Times New Roman"/>
               <a:ea typeface="Times New Roman"/>
@@ -8530,16 +8267,16 @@
                 <a:spcPts val="0"/>
               </a:spcAft>
               <a:buClr>
-                <a:srgbClr val="FFFF00"/>
+                <a:srgbClr val="434343"/>
               </a:buClr>
               <a:buSzPts val="2500"/>
               <a:buFont typeface="Times New Roman"/>
               <a:buAutoNum type="arabicPeriod" startAt="7"/>
             </a:pPr>
             <a:r>
-              <a:rPr lang="vi" sz="2500">
+              <a:rPr b="1" lang="vi" sz="2500">
                 <a:solidFill>
-                  <a:srgbClr val="FFFF00"/>
+                  <a:srgbClr val="434343"/>
                 </a:solidFill>
                 <a:latin typeface="Times New Roman"/>
                 <a:ea typeface="Times New Roman"/>
@@ -8548,9 +8285,9 @@
               </a:rPr>
               <a:t>React Hooks</a:t>
             </a:r>
-            <a:endParaRPr sz="2500">
+            <a:endParaRPr b="1" sz="2500">
               <a:solidFill>
-                <a:srgbClr val="FFFF00"/>
+                <a:srgbClr val="434343"/>
               </a:solidFill>
               <a:latin typeface="Times New Roman"/>
               <a:ea typeface="Times New Roman"/>
@@ -9168,16 +8905,16 @@
                 <a:spcPts val="0"/>
               </a:spcAft>
               <a:buClr>
-                <a:srgbClr val="FFFF00"/>
+                <a:srgbClr val="434343"/>
               </a:buClr>
               <a:buSzPts val="2500"/>
               <a:buFont typeface="Times New Roman"/>
               <a:buAutoNum type="arabicPeriod" startAt="8"/>
             </a:pPr>
             <a:r>
-              <a:rPr lang="vi" sz="2500">
+              <a:rPr b="1" lang="vi" sz="2500">
                 <a:solidFill>
-                  <a:srgbClr val="FFFF00"/>
+                  <a:srgbClr val="434343"/>
                 </a:solidFill>
                 <a:latin typeface="Times New Roman"/>
                 <a:ea typeface="Times New Roman"/>
@@ -9186,9 +8923,9 @@
               </a:rPr>
               <a:t>React Router</a:t>
             </a:r>
-            <a:endParaRPr sz="2500">
+            <a:endParaRPr b="1" sz="2500">
               <a:solidFill>
-                <a:srgbClr val="FFFF00"/>
+                <a:srgbClr val="434343"/>
               </a:solidFill>
               <a:latin typeface="Times New Roman"/>
               <a:ea typeface="Times New Roman"/>
@@ -9359,16 +9096,16 @@
                 <a:spcPts val="0"/>
               </a:spcAft>
               <a:buClr>
-                <a:srgbClr val="00FF00"/>
+                <a:srgbClr val="A61C00"/>
               </a:buClr>
               <a:buSzPts val="3510"/>
               <a:buFont typeface="Times New Roman"/>
               <a:buAutoNum type="romanUcPeriod" startAt="3"/>
             </a:pPr>
             <a:r>
-              <a:rPr lang="vi" sz="3509">
+              <a:rPr b="1" lang="vi" sz="3509">
                 <a:solidFill>
-                  <a:srgbClr val="00FF00"/>
+                  <a:srgbClr val="A61C00"/>
                 </a:solidFill>
                 <a:latin typeface="Times New Roman"/>
                 <a:ea typeface="Times New Roman"/>
@@ -9378,9 +9115,9 @@
               <a:t>Điểm mạnh và điểm yếu của </a:t>
             </a:r>
             <a:r>
-              <a:rPr lang="vi" sz="3509">
+              <a:rPr b="1" lang="vi" sz="3509">
                 <a:solidFill>
-                  <a:srgbClr val="00FF00"/>
+                  <a:srgbClr val="A61C00"/>
                 </a:solidFill>
                 <a:latin typeface="Times New Roman"/>
                 <a:ea typeface="Times New Roman"/>
@@ -9389,9 +9126,9 @@
               </a:rPr>
               <a:t>ReactJS</a:t>
             </a:r>
-            <a:endParaRPr sz="3509">
+            <a:endParaRPr b="1" sz="3509">
               <a:solidFill>
-                <a:srgbClr val="00FF00"/>
+                <a:srgbClr val="A61C00"/>
               </a:solidFill>
               <a:latin typeface="Times New Roman"/>
               <a:ea typeface="Times New Roman"/>
@@ -9435,16 +9172,16 @@
                 <a:spcPts val="0"/>
               </a:spcAft>
               <a:buClr>
-                <a:srgbClr val="FFFF00"/>
+                <a:srgbClr val="434343"/>
               </a:buClr>
               <a:buSzPts val="2500"/>
               <a:buFont typeface="Times New Roman"/>
               <a:buAutoNum type="arabicPeriod"/>
             </a:pPr>
             <a:r>
-              <a:rPr lang="vi" sz="2500">
+              <a:rPr b="1" lang="vi" sz="2500">
                 <a:solidFill>
-                  <a:srgbClr val="FFFF00"/>
+                  <a:srgbClr val="434343"/>
                 </a:solidFill>
                 <a:latin typeface="Times New Roman"/>
                 <a:ea typeface="Times New Roman"/>
@@ -9453,9 +9190,9 @@
               </a:rPr>
               <a:t>Điểm mạnh</a:t>
             </a:r>
-            <a:endParaRPr sz="2500">
+            <a:endParaRPr b="1" sz="2500">
               <a:solidFill>
-                <a:srgbClr val="FFFF00"/>
+                <a:srgbClr val="434343"/>
               </a:solidFill>
               <a:latin typeface="Times New Roman"/>
               <a:ea typeface="Times New Roman"/>
@@ -9799,16 +9536,16 @@
                 <a:spcPts val="0"/>
               </a:spcAft>
               <a:buClr>
-                <a:srgbClr val="FFFF00"/>
+                <a:srgbClr val="434343"/>
               </a:buClr>
               <a:buSzPts val="2500"/>
               <a:buFont typeface="Times New Roman"/>
               <a:buAutoNum type="arabicPeriod" startAt="2"/>
             </a:pPr>
             <a:r>
-              <a:rPr lang="vi" sz="2500">
+              <a:rPr b="1" lang="vi" sz="2500">
                 <a:solidFill>
-                  <a:srgbClr val="FFFF00"/>
+                  <a:srgbClr val="434343"/>
                 </a:solidFill>
                 <a:latin typeface="Times New Roman"/>
                 <a:ea typeface="Times New Roman"/>
@@ -9817,9 +9554,9 @@
               </a:rPr>
               <a:t>Điểm yếu</a:t>
             </a:r>
-            <a:endParaRPr sz="2500">
+            <a:endParaRPr b="1" sz="2500">
               <a:solidFill>
-                <a:srgbClr val="FFFF00"/>
+                <a:srgbClr val="434343"/>
               </a:solidFill>
               <a:latin typeface="Times New Roman"/>
               <a:ea typeface="Times New Roman"/>
@@ -10008,16 +9745,16 @@
                 <a:spcPts val="0"/>
               </a:spcAft>
               <a:buClr>
-                <a:srgbClr val="FFFF00"/>
+                <a:srgbClr val="434343"/>
               </a:buClr>
               <a:buSzPts val="2500"/>
               <a:buFont typeface="Times New Roman"/>
               <a:buAutoNum type="arabicPeriod" startAt="3"/>
             </a:pPr>
             <a:r>
-              <a:rPr lang="vi" sz="2500">
+              <a:rPr b="1" lang="vi" sz="2500">
                 <a:solidFill>
-                  <a:srgbClr val="FFFF00"/>
+                  <a:srgbClr val="434343"/>
                 </a:solidFill>
                 <a:latin typeface="Times New Roman"/>
                 <a:ea typeface="Times New Roman"/>
@@ -10026,9 +9763,9 @@
               </a:rPr>
               <a:t>Có nên sử dụng ReactJS</a:t>
             </a:r>
-            <a:endParaRPr sz="2500">
+            <a:endParaRPr b="1" sz="2500">
               <a:solidFill>
-                <a:srgbClr val="FFFF00"/>
+                <a:srgbClr val="434343"/>
               </a:solidFill>
               <a:latin typeface="Times New Roman"/>
               <a:ea typeface="Times New Roman"/>
@@ -10254,16 +9991,16 @@
                 <a:spcPts val="0"/>
               </a:spcAft>
               <a:buClr>
-                <a:srgbClr val="00FF00"/>
+                <a:srgbClr val="A61C00"/>
               </a:buClr>
               <a:buSzPts val="3510"/>
               <a:buFont typeface="Times New Roman"/>
               <a:buAutoNum type="romanUcPeriod" startAt="3"/>
             </a:pPr>
             <a:r>
-              <a:rPr lang="vi" sz="3509">
+              <a:rPr b="1" lang="vi" sz="3509">
                 <a:solidFill>
-                  <a:srgbClr val="00FF00"/>
+                  <a:srgbClr val="A61C00"/>
                 </a:solidFill>
                 <a:latin typeface="Times New Roman"/>
                 <a:ea typeface="Times New Roman"/>
@@ -10272,9 +10009,9 @@
               </a:rPr>
               <a:t>ReactJS và Angular</a:t>
             </a:r>
-            <a:endParaRPr sz="3509">
+            <a:endParaRPr b="1" sz="3509">
               <a:solidFill>
-                <a:srgbClr val="00FF00"/>
+                <a:srgbClr val="A61C00"/>
               </a:solidFill>
               <a:latin typeface="Times New Roman"/>
               <a:ea typeface="Times New Roman"/>
@@ -10358,7 +10095,7 @@
             <a:tbl>
               <a:tblPr>
                 <a:noFill/>
-                <a:tableStyleId>{2411AEE0-69BF-4335-941D-0AB57DC14F30}</a:tableStyleId>
+                <a:tableStyleId>{43DD3A3A-2FC4-488F-8667-D88963356ACC}</a:tableStyleId>
               </a:tblPr>
               <a:tblGrid>
                 <a:gridCol w="1829575"/>
@@ -10837,16 +10574,16 @@
               <a:buNone/>
             </a:pPr>
             <a:r>
-              <a:rPr lang="vi">
+              <a:rPr b="1" lang="vi">
                 <a:solidFill>
-                  <a:srgbClr val="00FFFF"/>
+                  <a:srgbClr val="5B0F00"/>
                 </a:solidFill>
               </a:rPr>
               <a:t>TÌM HIỂU THƯ VIỆN REACTJS</a:t>
             </a:r>
-            <a:endParaRPr>
+            <a:endParaRPr b="1">
               <a:solidFill>
-                <a:srgbClr val="00FFFF"/>
+                <a:srgbClr val="5B0F00"/>
               </a:solidFill>
             </a:endParaRPr>
           </a:p>
@@ -10951,7 +10688,7 @@
             <a:tbl>
               <a:tblPr>
                 <a:noFill/>
-                <a:tableStyleId>{2411AEE0-69BF-4335-941D-0AB57DC14F30}</a:tableStyleId>
+                <a:tableStyleId>{43DD3A3A-2FC4-488F-8667-D88963356ACC}</a:tableStyleId>
               </a:tblPr>
               <a:tblGrid>
                 <a:gridCol w="2478300"/>
@@ -11398,16 +11135,16 @@
                 <a:spcPts val="0"/>
               </a:spcAft>
               <a:buClr>
-                <a:srgbClr val="00FF00"/>
+                <a:srgbClr val="A61C00"/>
               </a:buClr>
               <a:buSzPts val="3510"/>
               <a:buFont typeface="Times New Roman"/>
               <a:buAutoNum type="romanUcPeriod" startAt="4"/>
             </a:pPr>
             <a:r>
-              <a:rPr lang="vi" sz="3509">
+              <a:rPr b="1" lang="vi" sz="3509">
                 <a:solidFill>
-                  <a:srgbClr val="00FF00"/>
+                  <a:srgbClr val="A61C00"/>
                 </a:solidFill>
                 <a:latin typeface="Times New Roman"/>
                 <a:ea typeface="Times New Roman"/>
@@ -11416,225 +11153,10 @@
               </a:rPr>
               <a:t>Giới thiệu trang web đọc tin tức</a:t>
             </a:r>
-            <a:endParaRPr sz="3509">
+            <a:endParaRPr b="1" sz="3509">
               <a:solidFill>
-                <a:srgbClr val="00FF00"/>
+                <a:srgbClr val="A61C00"/>
               </a:solidFill>
-              <a:latin typeface="Times New Roman"/>
-              <a:ea typeface="Times New Roman"/>
-              <a:cs typeface="Times New Roman"/>
-              <a:sym typeface="Times New Roman"/>
-            </a:endParaRPr>
-          </a:p>
-        </p:txBody>
-      </p:sp>
-    </p:spTree>
-  </p:cSld>
-  <p:clrMapOvr>
-    <a:masterClrMapping/>
-  </p:clrMapOvr>
-</p:sld>
-</file>
-
-<file path=ppt/slides/slide22.xml><?xml version="1.0" encoding="utf-8"?>
-<p:sld xmlns:a="http://schemas.openxmlformats.org/drawingml/2006/main" xmlns:r="http://schemas.openxmlformats.org/officeDocument/2006/relationships" xmlns:mc="http://schemas.openxmlformats.org/markup-compatibility/2006" xmlns:mv="urn:schemas-microsoft-com:mac:vml" xmlns:p="http://schemas.openxmlformats.org/presentationml/2006/main" xmlns:c="http://schemas.openxmlformats.org/drawingml/2006/chart" xmlns:dgm="http://schemas.openxmlformats.org/drawingml/2006/diagram" xmlns:o="urn:schemas-microsoft-com:office:office" xmlns:v="urn:schemas-microsoft-com:vml" xmlns:pvml="urn:schemas-microsoft-com:office:powerpoint" xmlns:com="http://schemas.openxmlformats.org/drawingml/2006/compatibility" xmlns:p14="http://schemas.microsoft.com/office/powerpoint/2010/main" xmlns:p15="http://schemas.microsoft.com/office/powerpoint/2012/main" xmlns:ahyp="http://schemas.microsoft.com/office/drawing/2018/hyperlinkcolor">
-  <p:cSld>
-    <p:spTree>
-      <p:nvGrpSpPr>
-        <p:cNvPr id="166" name="Shape 166"/>
-        <p:cNvGrpSpPr/>
-        <p:nvPr/>
-      </p:nvGrpSpPr>
-      <p:grpSpPr>
-        <a:xfrm>
-          <a:off x="0" y="0"/>
-          <a:ext cx="0" cy="0"/>
-          <a:chOff x="0" y="0"/>
-          <a:chExt cx="0" cy="0"/>
-        </a:xfrm>
-      </p:grpSpPr>
-      <p:sp>
-        <p:nvSpPr>
-          <p:cNvPr id="167" name="Google Shape;167;p34"/>
-          <p:cNvSpPr txBox="1"/>
-          <p:nvPr>
-            <p:ph idx="1" type="subTitle"/>
-          </p:nvPr>
-        </p:nvSpPr>
-        <p:spPr>
-          <a:xfrm>
-            <a:off x="311700" y="485325"/>
-            <a:ext cx="8520600" cy="945600"/>
-          </a:xfrm>
-          <a:prstGeom prst="rect">
-            <a:avLst/>
-          </a:prstGeom>
-        </p:spPr>
-        <p:txBody>
-          <a:bodyPr anchorCtr="0" anchor="t" bIns="91425" lIns="91425" spcFirstLastPara="1" rIns="91425" wrap="square" tIns="91425">
-            <a:normAutofit/>
-          </a:bodyPr>
-          <a:lstStyle/>
-          <a:p>
-            <a:pPr indent="0" lvl="0" marL="0" rtl="0" algn="l">
-              <a:lnSpc>
-                <a:spcPct val="90000"/>
-              </a:lnSpc>
-              <a:spcBef>
-                <a:spcPts val="0"/>
-              </a:spcBef>
-              <a:spcAft>
-                <a:spcPts val="0"/>
-              </a:spcAft>
-              <a:buNone/>
-            </a:pPr>
-            <a:r>
-              <a:rPr lang="vi" sz="2100">
-                <a:solidFill>
-                  <a:srgbClr val="FFFF00"/>
-                </a:solidFill>
-                <a:latin typeface="Times New Roman"/>
-                <a:ea typeface="Times New Roman"/>
-                <a:cs typeface="Times New Roman"/>
-                <a:sym typeface="Times New Roman"/>
-              </a:rPr>
-              <a:t>Tài liệu tham khảo:</a:t>
-            </a:r>
-            <a:endParaRPr sz="2100">
-              <a:solidFill>
-                <a:srgbClr val="FFFF00"/>
-              </a:solidFill>
-              <a:latin typeface="Times New Roman"/>
-              <a:ea typeface="Times New Roman"/>
-              <a:cs typeface="Times New Roman"/>
-              <a:sym typeface="Times New Roman"/>
-            </a:endParaRPr>
-          </a:p>
-          <a:p>
-            <a:pPr indent="-361950" lvl="0" marL="457200" rtl="0" algn="l">
-              <a:lnSpc>
-                <a:spcPct val="90000"/>
-              </a:lnSpc>
-              <a:spcBef>
-                <a:spcPts val="0"/>
-              </a:spcBef>
-              <a:spcAft>
-                <a:spcPts val="0"/>
-              </a:spcAft>
-              <a:buClr>
-                <a:schemeClr val="dk1"/>
-              </a:buClr>
-              <a:buSzPts val="2100"/>
-              <a:buFont typeface="Times New Roman"/>
-              <a:buAutoNum type="arabicPeriod"/>
-            </a:pPr>
-            <a:r>
-              <a:rPr lang="vi" sz="2100">
-                <a:solidFill>
-                  <a:schemeClr val="dk1"/>
-                </a:solidFill>
-                <a:latin typeface="Times New Roman"/>
-                <a:ea typeface="Times New Roman"/>
-                <a:cs typeface="Times New Roman"/>
-                <a:sym typeface="Times New Roman"/>
-              </a:rPr>
-              <a:t>Tài liệu hướng dẫn ReactJS: </a:t>
-            </a:r>
-            <a:r>
-              <a:rPr lang="vi" sz="2100">
-                <a:solidFill>
-                  <a:schemeClr val="hlink"/>
-                </a:solidFill>
-                <a:uFill>
-                  <a:noFill/>
-                </a:uFill>
-                <a:latin typeface="Times New Roman"/>
-                <a:ea typeface="Times New Roman"/>
-                <a:cs typeface="Times New Roman"/>
-                <a:sym typeface="Times New Roman"/>
-                <a:hlinkClick r:id="rId3"/>
-              </a:rPr>
-              <a:t>https://reactjs.org/</a:t>
-            </a:r>
-            <a:endParaRPr sz="2100">
-              <a:solidFill>
-                <a:schemeClr val="dk1"/>
-              </a:solidFill>
-              <a:latin typeface="Times New Roman"/>
-              <a:ea typeface="Times New Roman"/>
-              <a:cs typeface="Times New Roman"/>
-              <a:sym typeface="Times New Roman"/>
-            </a:endParaRPr>
-          </a:p>
-        </p:txBody>
-      </p:sp>
-    </p:spTree>
-  </p:cSld>
-  <p:clrMapOvr>
-    <a:masterClrMapping/>
-  </p:clrMapOvr>
-</p:sld>
-</file>
-
-<file path=ppt/slides/slide23.xml><?xml version="1.0" encoding="utf-8"?>
-<p:sld xmlns:a="http://schemas.openxmlformats.org/drawingml/2006/main" xmlns:r="http://schemas.openxmlformats.org/officeDocument/2006/relationships" xmlns:mc="http://schemas.openxmlformats.org/markup-compatibility/2006" xmlns:mv="urn:schemas-microsoft-com:mac:vml" xmlns:p="http://schemas.openxmlformats.org/presentationml/2006/main" xmlns:c="http://schemas.openxmlformats.org/drawingml/2006/chart" xmlns:dgm="http://schemas.openxmlformats.org/drawingml/2006/diagram" xmlns:o="urn:schemas-microsoft-com:office:office" xmlns:v="urn:schemas-microsoft-com:vml" xmlns:pvml="urn:schemas-microsoft-com:office:powerpoint" xmlns:com="http://schemas.openxmlformats.org/drawingml/2006/compatibility" xmlns:p14="http://schemas.microsoft.com/office/powerpoint/2010/main" xmlns:p15="http://schemas.microsoft.com/office/powerpoint/2012/main" xmlns:ahyp="http://schemas.microsoft.com/office/drawing/2018/hyperlinkcolor">
-  <p:cSld>
-    <p:spTree>
-      <p:nvGrpSpPr>
-        <p:cNvPr id="171" name="Shape 171"/>
-        <p:cNvGrpSpPr/>
-        <p:nvPr/>
-      </p:nvGrpSpPr>
-      <p:grpSpPr>
-        <a:xfrm>
-          <a:off x="0" y="0"/>
-          <a:ext cx="0" cy="0"/>
-          <a:chOff x="0" y="0"/>
-          <a:chExt cx="0" cy="0"/>
-        </a:xfrm>
-      </p:grpSpPr>
-      <p:sp>
-        <p:nvSpPr>
-          <p:cNvPr id="172" name="Google Shape;172;p35"/>
-          <p:cNvSpPr txBox="1"/>
-          <p:nvPr>
-            <p:ph type="ctrTitle"/>
-          </p:nvPr>
-        </p:nvSpPr>
-        <p:spPr>
-          <a:xfrm>
-            <a:off x="311700" y="2497325"/>
-            <a:ext cx="8520600" cy="704700"/>
-          </a:xfrm>
-          <a:prstGeom prst="rect">
-            <a:avLst/>
-          </a:prstGeom>
-        </p:spPr>
-        <p:txBody>
-          <a:bodyPr anchorCtr="0" anchor="b" bIns="91425" lIns="91425" spcFirstLastPara="1" rIns="91425" wrap="square" tIns="91425">
-            <a:noAutofit/>
-          </a:bodyPr>
-          <a:lstStyle/>
-          <a:p>
-            <a:pPr indent="0" lvl="0" marL="0" rtl="0" algn="ctr">
-              <a:spcBef>
-                <a:spcPts val="0"/>
-              </a:spcBef>
-              <a:spcAft>
-                <a:spcPts val="0"/>
-              </a:spcAft>
-              <a:buNone/>
-            </a:pPr>
-            <a:r>
-              <a:rPr lang="vi" sz="3509">
-                <a:latin typeface="Times New Roman"/>
-                <a:ea typeface="Times New Roman"/>
-                <a:cs typeface="Times New Roman"/>
-                <a:sym typeface="Times New Roman"/>
-              </a:rPr>
-              <a:t>HẾT.</a:t>
-            </a:r>
-            <a:endParaRPr sz="3509">
               <a:latin typeface="Times New Roman"/>
               <a:ea typeface="Times New Roman"/>
               <a:cs typeface="Times New Roman"/>
@@ -11699,16 +11221,16 @@
                 <a:spcPts val="0"/>
               </a:spcAft>
               <a:buClr>
-                <a:srgbClr val="00FF00"/>
+                <a:srgbClr val="A61C00"/>
               </a:buClr>
               <a:buSzPts val="3510"/>
               <a:buFont typeface="Times New Roman"/>
               <a:buAutoNum type="romanUcPeriod"/>
             </a:pPr>
             <a:r>
-              <a:rPr lang="vi" sz="3509">
+              <a:rPr b="1" lang="vi" sz="3509">
                 <a:solidFill>
-                  <a:srgbClr val="00FF00"/>
+                  <a:srgbClr val="A61C00"/>
                 </a:solidFill>
                 <a:latin typeface="Times New Roman"/>
                 <a:ea typeface="Times New Roman"/>
@@ -11717,9 +11239,9 @@
               </a:rPr>
               <a:t>Giới thiệu tổng quan</a:t>
             </a:r>
-            <a:endParaRPr sz="3509">
+            <a:endParaRPr b="1" sz="3509">
               <a:solidFill>
-                <a:srgbClr val="00FF00"/>
+                <a:srgbClr val="A61C00"/>
               </a:solidFill>
               <a:latin typeface="Times New Roman"/>
               <a:ea typeface="Times New Roman"/>
@@ -11763,16 +11285,16 @@
                 <a:spcPts val="0"/>
               </a:spcAft>
               <a:buClr>
-                <a:srgbClr val="FFFF00"/>
+                <a:srgbClr val="434343"/>
               </a:buClr>
               <a:buSzPts val="2500"/>
               <a:buFont typeface="Times New Roman"/>
               <a:buAutoNum type="arabicPeriod"/>
             </a:pPr>
             <a:r>
-              <a:rPr lang="vi" sz="2500">
+              <a:rPr b="1" lang="vi" sz="2500">
                 <a:solidFill>
-                  <a:srgbClr val="FFFF00"/>
+                  <a:srgbClr val="434343"/>
                 </a:solidFill>
                 <a:latin typeface="Times New Roman"/>
                 <a:ea typeface="Times New Roman"/>
@@ -11781,9 +11303,9 @@
               </a:rPr>
               <a:t>ReactJS là gì?</a:t>
             </a:r>
-            <a:endParaRPr sz="2500">
+            <a:endParaRPr b="1" sz="2500">
               <a:solidFill>
-                <a:srgbClr val="FFFF00"/>
+                <a:srgbClr val="434343"/>
               </a:solidFill>
               <a:latin typeface="Times New Roman"/>
               <a:ea typeface="Times New Roman"/>
@@ -11887,16 +11409,16 @@
                 <a:spcPts val="0"/>
               </a:spcAft>
               <a:buClr>
-                <a:srgbClr val="FFFF00"/>
+                <a:srgbClr val="434343"/>
               </a:buClr>
               <a:buSzPts val="2500"/>
               <a:buFont typeface="Times New Roman"/>
               <a:buAutoNum type="arabicPeriod" startAt="2"/>
             </a:pPr>
             <a:r>
-              <a:rPr lang="vi" sz="2500">
+              <a:rPr b="1" lang="vi" sz="2500">
                 <a:solidFill>
-                  <a:srgbClr val="FFFF00"/>
+                  <a:srgbClr val="434343"/>
                 </a:solidFill>
                 <a:latin typeface="Times New Roman"/>
                 <a:ea typeface="Times New Roman"/>
@@ -11905,9 +11427,9 @@
               </a:rPr>
               <a:t>Lịch sử phát triển</a:t>
             </a:r>
-            <a:endParaRPr sz="2500">
+            <a:endParaRPr b="1" sz="2500">
               <a:solidFill>
-                <a:srgbClr val="FFFF00"/>
+                <a:srgbClr val="434343"/>
               </a:solidFill>
               <a:latin typeface="Times New Roman"/>
               <a:ea typeface="Times New Roman"/>
@@ -12453,16 +11975,16 @@
                 <a:spcPts val="0"/>
               </a:spcAft>
               <a:buClr>
-                <a:srgbClr val="00FF00"/>
+                <a:srgbClr val="A61C00"/>
               </a:buClr>
               <a:buSzPts val="3510"/>
               <a:buFont typeface="Times New Roman"/>
               <a:buAutoNum type="romanUcPeriod" startAt="2"/>
             </a:pPr>
             <a:r>
-              <a:rPr lang="vi" sz="3509">
+              <a:rPr b="1" lang="vi" sz="3509">
                 <a:solidFill>
-                  <a:srgbClr val="00FF00"/>
+                  <a:srgbClr val="A61C00"/>
                 </a:solidFill>
                 <a:latin typeface="Times New Roman"/>
                 <a:ea typeface="Times New Roman"/>
@@ -12471,9 +11993,9 @@
               </a:rPr>
               <a:t>Các khái niệm cơ bản</a:t>
             </a:r>
-            <a:endParaRPr sz="3509">
+            <a:endParaRPr b="1" sz="3509">
               <a:solidFill>
-                <a:srgbClr val="00FF00"/>
+                <a:srgbClr val="A61C00"/>
               </a:solidFill>
               <a:latin typeface="Times New Roman"/>
               <a:ea typeface="Times New Roman"/>
@@ -12517,16 +12039,16 @@
                 <a:spcPts val="0"/>
               </a:spcAft>
               <a:buClr>
-                <a:srgbClr val="FFFF00"/>
+                <a:srgbClr val="434343"/>
               </a:buClr>
               <a:buSzPts val="2500"/>
               <a:buFont typeface="Times New Roman"/>
               <a:buAutoNum type="arabicPeriod"/>
             </a:pPr>
             <a:r>
-              <a:rPr lang="vi" sz="2500">
+              <a:rPr b="1" lang="vi" sz="2500">
                 <a:solidFill>
-                  <a:srgbClr val="FFFF00"/>
+                  <a:srgbClr val="434343"/>
                 </a:solidFill>
                 <a:latin typeface="Times New Roman"/>
                 <a:ea typeface="Times New Roman"/>
@@ -12535,9 +12057,9 @@
               </a:rPr>
               <a:t>JSX</a:t>
             </a:r>
-            <a:endParaRPr sz="2500">
+            <a:endParaRPr b="1" sz="2500">
               <a:solidFill>
-                <a:srgbClr val="FFFF00"/>
+                <a:srgbClr val="434343"/>
               </a:solidFill>
               <a:latin typeface="Times New Roman"/>
               <a:ea typeface="Times New Roman"/>
@@ -12880,16 +12402,16 @@
                 <a:spcPts val="0"/>
               </a:spcAft>
               <a:buClr>
-                <a:srgbClr val="FFFF00"/>
+                <a:srgbClr val="434343"/>
               </a:buClr>
               <a:buSzPts val="2500"/>
               <a:buFont typeface="Times New Roman"/>
               <a:buAutoNum type="arabicPeriod" startAt="2"/>
             </a:pPr>
             <a:r>
-              <a:rPr lang="vi" sz="2500">
+              <a:rPr b="1" lang="vi" sz="2500">
                 <a:solidFill>
-                  <a:srgbClr val="FFFF00"/>
+                  <a:srgbClr val="434343"/>
                 </a:solidFill>
                 <a:latin typeface="Times New Roman"/>
                 <a:ea typeface="Times New Roman"/>
@@ -12898,9 +12420,9 @@
               </a:rPr>
               <a:t>Components</a:t>
             </a:r>
-            <a:endParaRPr sz="2500">
+            <a:endParaRPr b="1" sz="2500">
               <a:solidFill>
-                <a:srgbClr val="FFFF00"/>
+                <a:srgbClr val="434343"/>
               </a:solidFill>
               <a:latin typeface="Times New Roman"/>
               <a:ea typeface="Times New Roman"/>
@@ -13224,16 +12746,16 @@
                 <a:spcPts val="0"/>
               </a:spcAft>
               <a:buClr>
-                <a:srgbClr val="FFFF00"/>
+                <a:srgbClr val="434343"/>
               </a:buClr>
               <a:buSzPts val="2500"/>
               <a:buFont typeface="Times New Roman"/>
               <a:buAutoNum type="arabicPeriod" startAt="3"/>
             </a:pPr>
             <a:r>
-              <a:rPr lang="vi" sz="2500">
+              <a:rPr b="1" lang="vi" sz="2500">
                 <a:solidFill>
-                  <a:srgbClr val="FFFF00"/>
+                  <a:srgbClr val="434343"/>
                 </a:solidFill>
                 <a:latin typeface="Times New Roman"/>
                 <a:ea typeface="Times New Roman"/>
@@ -13242,9 +12764,9 @@
               </a:rPr>
               <a:t>Props</a:t>
             </a:r>
-            <a:endParaRPr sz="2500">
+            <a:endParaRPr b="1" sz="2500">
               <a:solidFill>
-                <a:srgbClr val="FFFF00"/>
+                <a:srgbClr val="434343"/>
               </a:solidFill>
               <a:latin typeface="Times New Roman"/>
               <a:ea typeface="Times New Roman"/>
@@ -13577,26 +13099,26 @@
 </file>
 
 <file path=ppt/theme/theme2.xml><?xml version="1.0" encoding="utf-8"?>
-<a:theme xmlns:a="http://schemas.openxmlformats.org/drawingml/2006/main" xmlns:r="http://schemas.openxmlformats.org/officeDocument/2006/relationships" name="Simple Dark">
+<a:theme xmlns:a="http://schemas.openxmlformats.org/drawingml/2006/main" xmlns:r="http://schemas.openxmlformats.org/officeDocument/2006/relationships" name="Simple Light">
   <a:themeElements>
-    <a:clrScheme name="Simple Dark">
+    <a:clrScheme name="Simple Light">
       <a:dk1>
-        <a:srgbClr val="FFFFFF"/>
+        <a:srgbClr val="000000"/>
       </a:dk1>
       <a:lt1>
-        <a:srgbClr val="212121"/>
+        <a:srgbClr val="FFFFFF"/>
       </a:lt1>
       <a:dk2>
-        <a:srgbClr val="303030"/>
+        <a:srgbClr val="595959"/>
       </a:dk2>
       <a:lt2>
-        <a:srgbClr val="ADADAD"/>
+        <a:srgbClr val="EEEEEE"/>
       </a:lt2>
       <a:accent1>
-        <a:srgbClr val="009688"/>
+        <a:srgbClr val="4285F4"/>
       </a:accent1>
       <a:accent2>
-        <a:srgbClr val="EEEEEE"/>
+        <a:srgbClr val="212121"/>
       </a:accent2>
       <a:accent3>
         <a:srgbClr val="78909C"/>
@@ -13605,16 +13127,16 @@
         <a:srgbClr val="FFAB40"/>
       </a:accent4>
       <a:accent5>
-        <a:srgbClr val="4DD0E1"/>
+        <a:srgbClr val="0097A7"/>
       </a:accent5>
       <a:accent6>
         <a:srgbClr val="EEFF41"/>
       </a:accent6>
       <a:hlink>
-        <a:srgbClr val="4DD0E1"/>
+        <a:srgbClr val="0097A7"/>
       </a:hlink>
       <a:folHlink>
-        <a:srgbClr val="4DD0E1"/>
+        <a:srgbClr val="0097A7"/>
       </a:folHlink>
     </a:clrScheme>
     <a:fontScheme name="Office">
